--- a/assets/presentation.pptx
+++ b/assets/presentation.pptx
@@ -6093,7 +6093,7 @@
                 </a:solidFill>
                 <a:latin typeface="+mj-lt"/>
               </a:rPr>
-              <a:t>Decision Tree (94% accuracy on pre-separated dataset)</a:t>
+              <a:t>Decision Tree (94% accuracy on pre-processed dataset)</a:t>
             </a:r>
           </a:p>
           <a:p>
@@ -6155,7 +6155,7 @@
                 </a:solidFill>
                 <a:latin typeface="+mj-lt"/>
               </a:rPr>
-              <a:t>pre-separated dataset)</a:t>
+              <a:t>pre-processed dataset)</a:t>
             </a:r>
             <a:endParaRPr lang="en-US" dirty="0">
               <a:solidFill>
@@ -6832,7 +6832,7 @@
               </a:spcAft>
             </a:pPr>
             <a:r>
-              <a:rPr lang="en-US" dirty="0">
+              <a:rPr lang="en-US" altLang="zh-CN" dirty="0">
                 <a:solidFill>
                   <a:schemeClr val="bg1">
                     <a:lumMod val="50000"/>
@@ -6840,7 +6840,97 @@
                 </a:solidFill>
                 <a:latin typeface="+mj-lt"/>
               </a:rPr>
-              <a:t>Requirement Analysis</a:t>
+              <a:t>Performance</a:t>
+            </a:r>
+          </a:p>
+          <a:p>
+            <a:pPr lvl="1" fontAlgn="auto">
+              <a:spcAft>
+                <a:spcPts val="0"/>
+              </a:spcAft>
+            </a:pPr>
+            <a:r>
+              <a:rPr lang="en-US" altLang="zh-CN" dirty="0">
+                <a:solidFill>
+                  <a:schemeClr val="bg1">
+                    <a:lumMod val="50000"/>
+                  </a:schemeClr>
+                </a:solidFill>
+                <a:latin typeface="+mj-lt"/>
+              </a:rPr>
+              <a:t>IO (mainly on training procedure reading the data)</a:t>
+            </a:r>
+          </a:p>
+          <a:p>
+            <a:pPr lvl="1" fontAlgn="auto">
+              <a:spcAft>
+                <a:spcPts val="0"/>
+              </a:spcAft>
+            </a:pPr>
+            <a:r>
+              <a:rPr lang="en-US" altLang="zh-CN" dirty="0">
+                <a:solidFill>
+                  <a:schemeClr val="bg1">
+                    <a:lumMod val="50000"/>
+                  </a:schemeClr>
+                </a:solidFill>
+                <a:latin typeface="+mj-lt"/>
+              </a:rPr>
+              <a:t>Training Procedure</a:t>
+            </a:r>
+          </a:p>
+          <a:p>
+            <a:pPr lvl="2" fontAlgn="auto">
+              <a:spcAft>
+                <a:spcPts val="0"/>
+              </a:spcAft>
+            </a:pPr>
+            <a:r>
+              <a:rPr lang="en-US" altLang="zh-CN" dirty="0">
+                <a:solidFill>
+                  <a:schemeClr val="bg1">
+                    <a:lumMod val="50000"/>
+                  </a:schemeClr>
+                </a:solidFill>
+                <a:latin typeface="+mj-lt"/>
+              </a:rPr>
+              <a:t>CNN-base model?</a:t>
+            </a:r>
+          </a:p>
+          <a:p>
+            <a:pPr lvl="2" fontAlgn="auto">
+              <a:spcAft>
+                <a:spcPts val="0"/>
+              </a:spcAft>
+            </a:pPr>
+            <a:r>
+              <a:rPr lang="en-US" altLang="zh-CN" dirty="0">
+                <a:solidFill>
+                  <a:schemeClr val="bg1">
+                    <a:lumMod val="50000"/>
+                  </a:schemeClr>
+                </a:solidFill>
+                <a:latin typeface="+mj-lt"/>
+              </a:rPr>
+              <a:t>KMs-base model?</a:t>
+            </a:r>
+          </a:p>
+          <a:p>
+            <a:pPr lvl="1" fontAlgn="auto">
+              <a:spcAft>
+                <a:spcPts val="0"/>
+              </a:spcAft>
+            </a:pPr>
+            <a:r>
+              <a:rPr lang="en-US" altLang="zh-CN" dirty="0">
+                <a:solidFill>
+                  <a:schemeClr val="bg1">
+                    <a:lumMod val="50000"/>
+                  </a:schemeClr>
+                </a:solidFill>
+                <a:latin typeface="+mj-lt"/>
+              </a:rPr>
+              <a:t>Predicting Procedure</a:t>
             </a:r>
           </a:p>
           <a:p>
@@ -6858,65 +6948,7 @@
                 </a:solidFill>
                 <a:latin typeface="+mj-lt"/>
               </a:rPr>
-              <a:t>System Design</a:t>
-            </a:r>
-          </a:p>
-          <a:p>
-            <a:pPr fontAlgn="auto">
-              <a:spcAft>
-                <a:spcPts val="0"/>
-              </a:spcAft>
-            </a:pPr>
-            <a:r>
-              <a:rPr lang="en-US" dirty="0">
-                <a:solidFill>
-                  <a:schemeClr val="bg1">
-                    <a:lumMod val="50000"/>
-                  </a:schemeClr>
-                </a:solidFill>
-                <a:latin typeface="+mj-lt"/>
-              </a:rPr>
-              <a:t>Rapid Prototyping </a:t>
-            </a:r>
-            <a:r>
-              <a:rPr lang="en-US" altLang="zh-CN" dirty="0">
-                <a:solidFill>
-                  <a:schemeClr val="bg1">
-                    <a:lumMod val="50000"/>
-                  </a:schemeClr>
-                </a:solidFill>
-                <a:latin typeface="+mj-lt"/>
-              </a:rPr>
-              <a:t>M</a:t>
-            </a:r>
-            <a:r>
-              <a:rPr lang="en-US" dirty="0">
-                <a:solidFill>
-                  <a:schemeClr val="bg1">
-                    <a:lumMod val="50000"/>
-                  </a:schemeClr>
-                </a:solidFill>
-                <a:latin typeface="+mj-lt"/>
-              </a:rPr>
-              <a:t>odel</a:t>
-            </a:r>
-          </a:p>
-          <a:p>
-            <a:pPr lvl="1" fontAlgn="auto">
-              <a:spcAft>
-                <a:spcPts val="0"/>
-              </a:spcAft>
-            </a:pPr>
-            <a:r>
-              <a:rPr lang="en-US" altLang="zh-CN" dirty="0">
-                <a:solidFill>
-                  <a:schemeClr val="bg1">
-                    <a:lumMod val="50000"/>
-                  </a:schemeClr>
-                </a:solidFill>
-                <a:latin typeface="+mj-lt"/>
-              </a:rPr>
-              <a:t>Decision Tree (94% accuracy on pre-separated dataset)</a:t>
+              <a:t>Window size of time steps</a:t>
             </a:r>
           </a:p>
           <a:p>
@@ -6934,63 +6966,11 @@
                 </a:solidFill>
                 <a:latin typeface="+mj-lt"/>
               </a:rPr>
-              <a:t>GRU network (98% </a:t>
+              <a:t>Failure for individual generalizability under short window.</a:t>
             </a:r>
-            <a:r>
-              <a:rPr lang="en-US" altLang="zh-CN" dirty="0">
-                <a:solidFill>
-                  <a:schemeClr val="bg1">
-                    <a:lumMod val="50000"/>
-                  </a:schemeClr>
-                </a:solidFill>
-                <a:latin typeface="+mj-lt"/>
-              </a:rPr>
-              <a:t>accuracy </a:t>
-            </a:r>
-            <a:r>
-              <a:rPr lang="en-US" dirty="0">
-                <a:solidFill>
-                  <a:schemeClr val="bg1">
-                    <a:lumMod val="50000"/>
-                  </a:schemeClr>
-                </a:solidFill>
-                <a:latin typeface="+mj-lt"/>
-              </a:rPr>
-              <a:t>on</a:t>
-            </a:r>
-            <a:r>
-              <a:rPr lang="zh-CN" altLang="en-US" dirty="0">
-                <a:solidFill>
-                  <a:schemeClr val="bg1">
-                    <a:lumMod val="50000"/>
-                  </a:schemeClr>
-                </a:solidFill>
-                <a:latin typeface="+mj-lt"/>
-              </a:rPr>
-              <a:t> </a:t>
-            </a:r>
-            <a:r>
-              <a:rPr lang="en-US" altLang="zh-CN" dirty="0">
-                <a:solidFill>
-                  <a:schemeClr val="bg1">
-                    <a:lumMod val="50000"/>
-                  </a:schemeClr>
-                </a:solidFill>
-                <a:latin typeface="+mj-lt"/>
-              </a:rPr>
-              <a:t>pre-separated dataset)</a:t>
-            </a:r>
-            <a:endParaRPr lang="en-US" dirty="0">
-              <a:solidFill>
-                <a:schemeClr val="bg1">
-                  <a:lumMod val="50000"/>
-                </a:schemeClr>
-              </a:solidFill>
-              <a:latin typeface="+mj-lt"/>
-            </a:endParaRPr>
-          </a:p>
-          <a:p>
-            <a:pPr fontAlgn="auto">
+          </a:p>
+          <a:p>
+            <a:pPr lvl="2" fontAlgn="auto">
               <a:spcAft>
                 <a:spcPts val="0"/>
               </a:spcAft>
@@ -7004,7 +6984,7 @@
                 </a:solidFill>
                 <a:latin typeface="+mj-lt"/>
               </a:rPr>
-              <a:t>Interface Implement</a:t>
+              <a:t>Current workable size: 40</a:t>
             </a:r>
           </a:p>
           <a:p>
@@ -7022,129 +7002,8 @@
                 </a:solidFill>
                 <a:latin typeface="+mj-lt"/>
               </a:rPr>
-              <a:t>python3 predict.py &lt;</a:t>
+              <a:t>Adaptability of window size</a:t>
             </a:r>
-            <a:r>
-              <a:rPr lang="en-US" dirty="0" err="1">
-                <a:solidFill>
-                  <a:schemeClr val="bg1">
-                    <a:lumMod val="50000"/>
-                  </a:schemeClr>
-                </a:solidFill>
-                <a:latin typeface="+mj-lt"/>
-              </a:rPr>
-              <a:t>model_file</a:t>
-            </a:r>
-            <a:r>
-              <a:rPr lang="en-US" dirty="0">
-                <a:solidFill>
-                  <a:schemeClr val="bg1">
-                    <a:lumMod val="50000"/>
-                  </a:schemeClr>
-                </a:solidFill>
-                <a:latin typeface="+mj-lt"/>
-              </a:rPr>
-              <a:t>&gt;</a:t>
-            </a:r>
-          </a:p>
-          <a:p>
-            <a:pPr lvl="1" fontAlgn="auto">
-              <a:spcAft>
-                <a:spcPts val="0"/>
-              </a:spcAft>
-            </a:pPr>
-            <a:r>
-              <a:rPr lang="en-US" dirty="0">
-                <a:solidFill>
-                  <a:schemeClr val="bg1">
-                    <a:lumMod val="50000"/>
-                  </a:schemeClr>
-                </a:solidFill>
-                <a:latin typeface="+mj-lt"/>
-              </a:rPr>
-              <a:t>python3 train.py &lt;</a:t>
-            </a:r>
-            <a:r>
-              <a:rPr lang="en-US" dirty="0" err="1">
-                <a:solidFill>
-                  <a:schemeClr val="bg1">
-                    <a:lumMod val="50000"/>
-                  </a:schemeClr>
-                </a:solidFill>
-                <a:latin typeface="+mj-lt"/>
-              </a:rPr>
-              <a:t>data_dir</a:t>
-            </a:r>
-            <a:r>
-              <a:rPr lang="en-US" dirty="0">
-                <a:solidFill>
-                  <a:schemeClr val="bg1">
-                    <a:lumMod val="50000"/>
-                  </a:schemeClr>
-                </a:solidFill>
-                <a:latin typeface="+mj-lt"/>
-              </a:rPr>
-              <a:t>&gt; &lt;</a:t>
-            </a:r>
-            <a:r>
-              <a:rPr lang="en-US" dirty="0" err="1">
-                <a:solidFill>
-                  <a:schemeClr val="bg1">
-                    <a:lumMod val="50000"/>
-                  </a:schemeClr>
-                </a:solidFill>
-                <a:latin typeface="+mj-lt"/>
-              </a:rPr>
-              <a:t>new_model</a:t>
-            </a:r>
-            <a:r>
-              <a:rPr lang="en-US" dirty="0">
-                <a:solidFill>
-                  <a:schemeClr val="bg1">
-                    <a:lumMod val="50000"/>
-                  </a:schemeClr>
-                </a:solidFill>
-                <a:latin typeface="+mj-lt"/>
-              </a:rPr>
-              <a:t>&gt; &lt;</a:t>
-            </a:r>
-            <a:r>
-              <a:rPr lang="en-US" dirty="0" err="1">
-                <a:solidFill>
-                  <a:schemeClr val="bg1">
-                    <a:lumMod val="50000"/>
-                  </a:schemeClr>
-                </a:solidFill>
-                <a:latin typeface="+mj-lt"/>
-              </a:rPr>
-              <a:t>base_model</a:t>
-            </a:r>
-            <a:r>
-              <a:rPr lang="en-US" dirty="0">
-                <a:solidFill>
-                  <a:schemeClr val="bg1">
-                    <a:lumMod val="50000"/>
-                  </a:schemeClr>
-                </a:solidFill>
-                <a:latin typeface="+mj-lt"/>
-              </a:rPr>
-              <a:t>&gt;</a:t>
-            </a:r>
-          </a:p>
-          <a:p>
-            <a:pPr lvl="1" fontAlgn="auto">
-              <a:spcAft>
-                <a:spcPts val="0"/>
-              </a:spcAft>
-            </a:pPr>
-            <a:endParaRPr lang="en-US" dirty="0">
-              <a:solidFill>
-                <a:schemeClr val="bg1">
-                  <a:lumMod val="50000"/>
-                </a:schemeClr>
-              </a:solidFill>
-              <a:latin typeface="+mj-lt"/>
-            </a:endParaRPr>
           </a:p>
         </p:txBody>
       </p:sp>
